--- a/Presentation/Comp_775_Final_Presentation_SDGeorge.pptx
+++ b/Presentation/Comp_775_Final_Presentation_SDGeorge.pptx
@@ -10672,7 +10672,7 @@
           <p:nvPr>
             <p:extLst>
               <p:ext uri="{D42A27DB-BD31-4B8C-83A1-F6EECF244321}">
-                <p14:modId xmlns:p14="http://schemas.microsoft.com/office/powerpoint/2010/main" val="4198999921"/>
+                <p14:modId xmlns:p14="http://schemas.microsoft.com/office/powerpoint/2010/main" val="481578021"/>
               </p:ext>
             </p:extLst>
           </p:nvPr>
@@ -10757,7 +10757,7 @@
                     <a:p>
                       <a:r>
                         <a:rPr lang="en-US" dirty="0"/>
-                        <a:t>428 (Each pixel is off by about 5 pixels)</a:t>
+                        <a:t>427 (Each pixel is off by about 5 pixels)</a:t>
                       </a:r>
                     </a:p>
                   </a:txBody>
@@ -10790,7 +10790,7 @@
                     <a:p>
                       <a:r>
                         <a:rPr lang="en-US" dirty="0"/>
-                        <a:t>393 (Each Pixel is off by about 4 pixels)</a:t>
+                        <a:t>391 (Each Pixel is off by about 4 pixels)</a:t>
                       </a:r>
                     </a:p>
                   </a:txBody>
@@ -11451,39 +11451,6 @@
           <a:chExt cx="0" cy="0"/>
         </a:xfrm>
       </p:grpSpPr>
-      <p:sp>
-        <p:nvSpPr>
-          <p:cNvPr id="2" name="Title 1">
-            <a:extLst>
-              <a:ext uri="{FF2B5EF4-FFF2-40B4-BE49-F238E27FC236}">
-                <a16:creationId xmlns:a16="http://schemas.microsoft.com/office/drawing/2014/main" id="{2F251345-35EA-4708-B050-05B105AFB09A}"/>
-              </a:ext>
-            </a:extLst>
-          </p:cNvPr>
-          <p:cNvSpPr>
-            <a:spLocks noGrp="1"/>
-          </p:cNvSpPr>
-          <p:nvPr>
-            <p:ph type="title"/>
-          </p:nvPr>
-        </p:nvSpPr>
-        <p:spPr>
-          <a:xfrm>
-            <a:off x="4355854" y="2766218"/>
-            <a:ext cx="3010146" cy="1325563"/>
-          </a:xfrm>
-        </p:spPr>
-        <p:txBody>
-          <a:bodyPr/>
-          <a:lstStyle/>
-          <a:p>
-            <a:r>
-              <a:rPr lang="en-US" dirty="0"/>
-              <a:t>Questions?</a:t>
-            </a:r>
-          </a:p>
-        </p:txBody>
-      </p:sp>
     </p:spTree>
     <p:extLst>
       <p:ext uri="{BB962C8B-B14F-4D97-AF65-F5344CB8AC3E}">

--- a/Presentation/Comp_775_Final_Presentation_SDGeorge.pptx
+++ b/Presentation/Comp_775_Final_Presentation_SDGeorge.pptx
@@ -11437,6 +11437,14 @@
 <file path=ppt/slides/slide19.xml><?xml version="1.0" encoding="utf-8"?>
 <p:sld xmlns:a="http://schemas.openxmlformats.org/drawingml/2006/main" xmlns:r="http://schemas.openxmlformats.org/officeDocument/2006/relationships" xmlns:p="http://schemas.openxmlformats.org/presentationml/2006/main">
   <p:cSld>
+    <p:bg>
+      <p:bgPr>
+        <a:solidFill>
+          <a:schemeClr val="bg1"/>
+        </a:solidFill>
+        <a:effectLst/>
+      </p:bgPr>
+    </p:bg>
     <p:spTree>
       <p:nvGrpSpPr>
         <p:cNvPr id="1" name=""/>
@@ -11451,6 +11459,105 @@
           <a:chExt cx="0" cy="0"/>
         </a:xfrm>
       </p:grpSpPr>
+      <p:cxnSp>
+        <p:nvCxnSpPr>
+          <p:cNvPr id="82" name="Straight Connector 75">
+            <a:extLst>
+              <a:ext uri="{FF2B5EF4-FFF2-40B4-BE49-F238E27FC236}">
+                <a16:creationId xmlns:a16="http://schemas.microsoft.com/office/drawing/2014/main" id="{22F6364A-B358-4BEE-B158-0734D2C938D4}"/>
+              </a:ext>
+              <a:ext uri="{C183D7F6-B498-43B3-948B-1728B52AA6E4}">
+                <adec:decorative xmlns:adec="http://schemas.microsoft.com/office/drawing/2017/decorative" val="1"/>
+              </a:ext>
+            </a:extLst>
+          </p:cNvPr>
+          <p:cNvCxnSpPr>
+            <a:cxnSpLocks noGrp="1" noRot="1" noChangeAspect="1" noMove="1" noResize="1" noEditPoints="1" noAdjustHandles="1" noChangeArrowheads="1" noChangeShapeType="1"/>
+          </p:cNvCxnSpPr>
+          <p:nvPr>
+            <p:extLst>
+              <p:ext uri="{386F3935-93C4-4BCD-93E2-E3B085C9AB24}">
+                <p16:designElem xmlns:p16="http://schemas.microsoft.com/office/powerpoint/2015/main" val="1"/>
+              </p:ext>
+            </p:extLst>
+          </p:nvPr>
+        </p:nvCxnSpPr>
+        <p:spPr>
+          <a:xfrm>
+            <a:off x="3738202" y="1570814"/>
+            <a:ext cx="0" cy="3710227"/>
+          </a:xfrm>
+          <a:prstGeom prst="line">
+            <a:avLst/>
+          </a:prstGeom>
+          <a:ln w="19050">
+            <a:solidFill>
+              <a:srgbClr val="BC3B2B"/>
+            </a:solidFill>
+          </a:ln>
+        </p:spPr>
+        <p:style>
+          <a:lnRef idx="1">
+            <a:schemeClr val="accent1"/>
+          </a:lnRef>
+          <a:fillRef idx="0">
+            <a:schemeClr val="accent1"/>
+          </a:fillRef>
+          <a:effectRef idx="0">
+            <a:schemeClr val="accent1"/>
+          </a:effectRef>
+          <a:fontRef idx="minor">
+            <a:schemeClr val="tx1"/>
+          </a:fontRef>
+        </p:style>
+      </p:cxnSp>
+      <p:pic>
+        <p:nvPicPr>
+          <p:cNvPr id="5" name="Picture 4" descr="https://www.agedcare101.com.au/the-donaldson-sisters/wp-content/uploads/2015/03/Thinking-about-questions-Jpeg-_000017173753Large-300x221.jpg">
+            <a:extLst>
+              <a:ext uri="{FF2B5EF4-FFF2-40B4-BE49-F238E27FC236}">
+                <a16:creationId xmlns:a16="http://schemas.microsoft.com/office/drawing/2014/main" id="{8ECFEDC3-31B8-4701-8861-888C96DDFA12}"/>
+              </a:ext>
+            </a:extLst>
+          </p:cNvPr>
+          <p:cNvPicPr>
+            <a:picLocks noChangeAspect="1" noChangeArrowheads="1"/>
+          </p:cNvPicPr>
+          <p:nvPr/>
+        </p:nvPicPr>
+        <p:blipFill>
+          <a:blip r:embed="rId2">
+            <a:extLst>
+              <a:ext uri="{28A0092B-C50C-407E-A947-70E740481C1C}">
+                <a14:useLocalDpi xmlns:a14="http://schemas.microsoft.com/office/drawing/2010/main" val="0"/>
+              </a:ext>
+            </a:extLst>
+          </a:blip>
+          <a:srcRect/>
+          <a:stretch>
+            <a:fillRect/>
+          </a:stretch>
+        </p:blipFill>
+        <p:spPr bwMode="auto">
+          <a:xfrm>
+            <a:off x="4061860" y="1123527"/>
+            <a:ext cx="6243796" cy="4604800"/>
+          </a:xfrm>
+          <a:prstGeom prst="rect">
+            <a:avLst/>
+          </a:prstGeom>
+          <a:noFill/>
+          <a:extLst>
+            <a:ext uri="{909E8E84-426E-40DD-AFC4-6F175D3DCCD1}">
+              <a14:hiddenFill xmlns:a14="http://schemas.microsoft.com/office/drawing/2010/main">
+                <a:solidFill>
+                  <a:srgbClr val="FFFFFF"/>
+                </a:solidFill>
+              </a14:hiddenFill>
+            </a:ext>
+          </a:extLst>
+        </p:spPr>
+      </p:pic>
     </p:spTree>
     <p:extLst>
       <p:ext uri="{BB962C8B-B14F-4D97-AF65-F5344CB8AC3E}">

--- a/Presentation/Comp_775_Final_Presentation_SDGeorge.pptx
+++ b/Presentation/Comp_775_Final_Presentation_SDGeorge.pptx
@@ -277,7 +277,7 @@
           <a:p>
             <a:fld id="{EEBA1F01-C730-4254-A4EC-5024447B991B}" type="datetimeFigureOut">
               <a:rPr lang="en-US" smtClean="0"/>
-              <a:t>12/11/2018</a:t>
+              <a:t>12/12/2018</a:t>
             </a:fld>
             <a:endParaRPr lang="en-US"/>
           </a:p>
@@ -475,7 +475,7 @@
           <a:p>
             <a:fld id="{EEBA1F01-C730-4254-A4EC-5024447B991B}" type="datetimeFigureOut">
               <a:rPr lang="en-US" smtClean="0"/>
-              <a:t>12/11/2018</a:t>
+              <a:t>12/12/2018</a:t>
             </a:fld>
             <a:endParaRPr lang="en-US"/>
           </a:p>
@@ -683,7 +683,7 @@
           <a:p>
             <a:fld id="{EEBA1F01-C730-4254-A4EC-5024447B991B}" type="datetimeFigureOut">
               <a:rPr lang="en-US" smtClean="0"/>
-              <a:t>12/11/2018</a:t>
+              <a:t>12/12/2018</a:t>
             </a:fld>
             <a:endParaRPr lang="en-US"/>
           </a:p>
@@ -881,7 +881,7 @@
           <a:p>
             <a:fld id="{EEBA1F01-C730-4254-A4EC-5024447B991B}" type="datetimeFigureOut">
               <a:rPr lang="en-US" smtClean="0"/>
-              <a:t>12/11/2018</a:t>
+              <a:t>12/12/2018</a:t>
             </a:fld>
             <a:endParaRPr lang="en-US"/>
           </a:p>
@@ -1156,7 +1156,7 @@
           <a:p>
             <a:fld id="{EEBA1F01-C730-4254-A4EC-5024447B991B}" type="datetimeFigureOut">
               <a:rPr lang="en-US" smtClean="0"/>
-              <a:t>12/11/2018</a:t>
+              <a:t>12/12/2018</a:t>
             </a:fld>
             <a:endParaRPr lang="en-US"/>
           </a:p>
@@ -1421,7 +1421,7 @@
           <a:p>
             <a:fld id="{EEBA1F01-C730-4254-A4EC-5024447B991B}" type="datetimeFigureOut">
               <a:rPr lang="en-US" smtClean="0"/>
-              <a:t>12/11/2018</a:t>
+              <a:t>12/12/2018</a:t>
             </a:fld>
             <a:endParaRPr lang="en-US"/>
           </a:p>
@@ -1833,7 +1833,7 @@
           <a:p>
             <a:fld id="{EEBA1F01-C730-4254-A4EC-5024447B991B}" type="datetimeFigureOut">
               <a:rPr lang="en-US" smtClean="0"/>
-              <a:t>12/11/2018</a:t>
+              <a:t>12/12/2018</a:t>
             </a:fld>
             <a:endParaRPr lang="en-US"/>
           </a:p>
@@ -1974,7 +1974,7 @@
           <a:p>
             <a:fld id="{EEBA1F01-C730-4254-A4EC-5024447B991B}" type="datetimeFigureOut">
               <a:rPr lang="en-US" smtClean="0"/>
-              <a:t>12/11/2018</a:t>
+              <a:t>12/12/2018</a:t>
             </a:fld>
             <a:endParaRPr lang="en-US"/>
           </a:p>
@@ -2087,7 +2087,7 @@
           <a:p>
             <a:fld id="{EEBA1F01-C730-4254-A4EC-5024447B991B}" type="datetimeFigureOut">
               <a:rPr lang="en-US" smtClean="0"/>
-              <a:t>12/11/2018</a:t>
+              <a:t>12/12/2018</a:t>
             </a:fld>
             <a:endParaRPr lang="en-US"/>
           </a:p>
@@ -2398,7 +2398,7 @@
           <a:p>
             <a:fld id="{EEBA1F01-C730-4254-A4EC-5024447B991B}" type="datetimeFigureOut">
               <a:rPr lang="en-US" smtClean="0"/>
-              <a:t>12/11/2018</a:t>
+              <a:t>12/12/2018</a:t>
             </a:fld>
             <a:endParaRPr lang="en-US"/>
           </a:p>
@@ -2686,7 +2686,7 @@
           <a:p>
             <a:fld id="{EEBA1F01-C730-4254-A4EC-5024447B991B}" type="datetimeFigureOut">
               <a:rPr lang="en-US" smtClean="0"/>
-              <a:t>12/11/2018</a:t>
+              <a:t>12/12/2018</a:t>
             </a:fld>
             <a:endParaRPr lang="en-US"/>
           </a:p>
@@ -2927,7 +2927,7 @@
           <a:p>
             <a:fld id="{EEBA1F01-C730-4254-A4EC-5024447B991B}" type="datetimeFigureOut">
               <a:rPr lang="en-US" smtClean="0"/>
-              <a:t>12/11/2018</a:t>
+              <a:t>12/12/2018</a:t>
             </a:fld>
             <a:endParaRPr lang="en-US"/>
           </a:p>
@@ -11650,7 +11650,7 @@
           <a:lstStyle/>
           <a:p>
             <a:r>
-              <a:rPr lang="en-US" sz="2400"/>
+              <a:rPr lang="en-US" sz="2400" dirty="0"/>
               <a:t>Simply put, the goal of my project was to predict a point distribution model (PDM) that would segment the Corpus Callosum using a neural network (NN) based object detection model (ODM). This PDM would be derived entirely from the image and require no additional tuning after the prediction was made. To simplify the problem at the start I only sought to learn four key landmarks on the Corpus Callosum. From here, if this performed well, I can expand to a full PDM.</a:t>
             </a:r>
           </a:p>
@@ -11719,7 +11719,7 @@
         </p:blipFill>
         <p:spPr>
           <a:xfrm>
-            <a:off x="7056372" y="3536374"/>
+            <a:off x="7056372" y="3527748"/>
             <a:ext cx="2513831" cy="2506981"/>
           </a:xfrm>
           <a:prstGeom prst="rect">
@@ -11745,7 +11745,7 @@
         <p:spPr>
           <a:xfrm>
             <a:off x="4800600" y="4755574"/>
-            <a:ext cx="2255772" cy="34291"/>
+            <a:ext cx="2255772" cy="25665"/>
           </a:xfrm>
           <a:prstGeom prst="straightConnector1">
             <a:avLst/>
@@ -11944,7 +11944,7 @@
             <a:pPr lvl="2"/>
             <a:r>
               <a:rPr lang="en-US" sz="1600" dirty="0"/>
-              <a:t>A network that has already been trained to recognize image structures may vastly improve performance with less training images. This may alleviate our need for the thousands of images usually required for an accurate object detection task.</a:t>
+              <a:t>A network that has already been trained to recognize image structures may vastly improve performance with less training images. This may alleviate our need for the thousands of images usually required for an object detection task.</a:t>
             </a:r>
           </a:p>
           <a:p>
@@ -14255,9 +14255,10 @@
           <a:lstStyle/>
           <a:p>
             <a:r>
-              <a:rPr lang="en-US" dirty="0"/>
-              <a:t>Final Feature Layer:</a:t>
-            </a:r>
+              <a:rPr lang="en-US"/>
+              <a:t>Overlayer:</a:t>
+            </a:r>
+            <a:endParaRPr lang="en-US" dirty="0"/>
           </a:p>
           <a:p>
             <a:r>
